--- a/spring/Spring-mybatis-update.pptx
+++ b/spring/Spring-mybatis-update.pptx
@@ -968,7 +968,7 @@
             <a:fld id="{A42D1834-B89B-417E-874A-80734E0CF146}" type="datetimeFigureOut">
               <a:rPr lang="ko-KR" altLang="en-US" smtClean="0"/>
               <a:pPr/>
-              <a:t>2022-03-07</a:t>
+              <a:t>2022-03-08</a:t>
             </a:fld>
             <a:endParaRPr lang="ko-KR" altLang="en-US"/>
           </a:p>
@@ -1938,7 +1938,7 @@
             <a:fld id="{13FEA241-4FE1-4803-B6F4-8E439186B7FA}" type="datetimeFigureOut">
               <a:rPr lang="ko-KR" altLang="en-US" smtClean="0"/>
               <a:pPr/>
-              <a:t>2022-03-07</a:t>
+              <a:t>2022-03-08</a:t>
             </a:fld>
             <a:endParaRPr lang="ko-KR" altLang="en-US"/>
           </a:p>
@@ -2130,7 +2130,7 @@
             <a:fld id="{13FEA241-4FE1-4803-B6F4-8E439186B7FA}" type="datetimeFigureOut">
               <a:rPr lang="ko-KR" altLang="en-US" smtClean="0"/>
               <a:pPr/>
-              <a:t>2022-03-07</a:t>
+              <a:t>2022-03-08</a:t>
             </a:fld>
             <a:endParaRPr lang="ko-KR" altLang="en-US"/>
           </a:p>
@@ -2307,7 +2307,7 @@
             <a:fld id="{13FEA241-4FE1-4803-B6F4-8E439186B7FA}" type="datetimeFigureOut">
               <a:rPr lang="ko-KR" altLang="en-US" smtClean="0"/>
               <a:pPr/>
-              <a:t>2022-03-07</a:t>
+              <a:t>2022-03-08</a:t>
             </a:fld>
             <a:endParaRPr lang="ko-KR" altLang="en-US"/>
           </a:p>
@@ -2451,7 +2451,7 @@
             <a:fld id="{13FEA241-4FE1-4803-B6F4-8E439186B7FA}" type="datetimeFigureOut">
               <a:rPr lang="ko-KR" altLang="en-US" smtClean="0"/>
               <a:pPr/>
-              <a:t>2022-03-07</a:t>
+              <a:t>2022-03-08</a:t>
             </a:fld>
             <a:endParaRPr lang="ko-KR" altLang="en-US"/>
           </a:p>
@@ -2700,7 +2700,7 @@
             <a:fld id="{13FEA241-4FE1-4803-B6F4-8E439186B7FA}" type="datetimeFigureOut">
               <a:rPr lang="ko-KR" altLang="en-US" smtClean="0"/>
               <a:pPr/>
-              <a:t>2022-03-07</a:t>
+              <a:t>2022-03-08</a:t>
             </a:fld>
             <a:endParaRPr lang="ko-KR" altLang="en-US"/>
           </a:p>
@@ -3101,7 +3101,7 @@
             <a:fld id="{13FEA241-4FE1-4803-B6F4-8E439186B7FA}" type="datetimeFigureOut">
               <a:rPr lang="ko-KR" altLang="en-US" smtClean="0"/>
               <a:pPr/>
-              <a:t>2022-03-07</a:t>
+              <a:t>2022-03-08</a:t>
             </a:fld>
             <a:endParaRPr lang="ko-KR" altLang="en-US"/>
           </a:p>
@@ -3541,7 +3541,7 @@
             <a:fld id="{13FEA241-4FE1-4803-B6F4-8E439186B7FA}" type="datetimeFigureOut">
               <a:rPr lang="ko-KR" altLang="en-US" smtClean="0"/>
               <a:pPr/>
-              <a:t>2022-03-07</a:t>
+              <a:t>2022-03-08</a:t>
             </a:fld>
             <a:endParaRPr lang="ko-KR" altLang="en-US"/>
           </a:p>
@@ -3638,7 +3638,7 @@
             <a:fld id="{13FEA241-4FE1-4803-B6F4-8E439186B7FA}" type="datetimeFigureOut">
               <a:rPr lang="ko-KR" altLang="en-US" smtClean="0"/>
               <a:pPr/>
-              <a:t>2022-03-07</a:t>
+              <a:t>2022-03-08</a:t>
             </a:fld>
             <a:endParaRPr lang="ko-KR" altLang="en-US"/>
           </a:p>
@@ -3753,7 +3753,7 @@
             <a:fld id="{13FEA241-4FE1-4803-B6F4-8E439186B7FA}" type="datetimeFigureOut">
               <a:rPr lang="ko-KR" altLang="en-US" smtClean="0"/>
               <a:pPr/>
-              <a:t>2022-03-07</a:t>
+              <a:t>2022-03-08</a:t>
             </a:fld>
             <a:endParaRPr lang="ko-KR" altLang="en-US"/>
           </a:p>
@@ -4023,7 +4023,7 @@
             <a:fld id="{13FEA241-4FE1-4803-B6F4-8E439186B7FA}" type="datetimeFigureOut">
               <a:rPr lang="ko-KR" altLang="en-US" smtClean="0"/>
               <a:pPr/>
-              <a:t>2022-03-07</a:t>
+              <a:t>2022-03-08</a:t>
             </a:fld>
             <a:endParaRPr lang="ko-KR" altLang="en-US"/>
           </a:p>
@@ -4226,7 +4226,7 @@
             <a:fld id="{13FEA241-4FE1-4803-B6F4-8E439186B7FA}" type="datetimeFigureOut">
               <a:rPr lang="ko-KR" altLang="en-US" smtClean="0"/>
               <a:pPr/>
-              <a:t>2022-03-07</a:t>
+              <a:t>2022-03-08</a:t>
             </a:fld>
             <a:endParaRPr lang="ko-KR" altLang="en-US"/>
           </a:p>
@@ -5317,7 +5317,7 @@
             <a:fld id="{13FEA241-4FE1-4803-B6F4-8E439186B7FA}" type="datetimeFigureOut">
               <a:rPr lang="ko-KR" altLang="en-US" smtClean="0"/>
               <a:pPr/>
-              <a:t>2022-03-07</a:t>
+              <a:t>2022-03-08</a:t>
             </a:fld>
             <a:endParaRPr lang="ko-KR" altLang="en-US"/>
           </a:p>
@@ -6402,14 +6402,18 @@
           <a:lstStyle/>
           <a:p>
             <a:r>
-              <a:rPr lang="ko-KR" altLang="en-US" sz="2400"/>
+              <a:rPr lang="ko-KR" altLang="en-US" sz="2400" dirty="0"/>
               <a:t>동적 </a:t>
             </a:r>
             <a:r>
-              <a:rPr lang="en-US" altLang="ko-KR" sz="2400"/>
-              <a:t>sql (https://araikuma.tistory.com/482)</a:t>
-            </a:r>
-            <a:endParaRPr lang="ko-KR" altLang="en-US" sz="2400"/>
+              <a:rPr lang="en-US" altLang="ko-KR" sz="2400" dirty="0" err="1"/>
+              <a:t>sql</a:t>
+            </a:r>
+            <a:r>
+              <a:rPr lang="en-US" altLang="ko-KR" sz="2400" dirty="0"/>
+              <a:t> (https://araikuma.tistory.com/482)</a:t>
+            </a:r>
+            <a:endParaRPr lang="ko-KR" altLang="en-US" sz="2400" dirty="0"/>
           </a:p>
         </p:txBody>
       </p:sp>
@@ -6430,8 +6434,8 @@
         </p:blipFill>
         <p:spPr bwMode="auto">
           <a:xfrm>
-            <a:off x="539552" y="1340768"/>
-            <a:ext cx="8064896" cy="4392488"/>
+            <a:off x="0" y="1052736"/>
+            <a:ext cx="9144000" cy="5805264"/>
           </a:xfrm>
           <a:prstGeom prst="rect">
             <a:avLst/>
@@ -7560,7 +7564,7 @@
               <a:buNone/>
             </a:pPr>
             <a:r>
-              <a:rPr lang="en-US" altLang="ko-KR"/>
+              <a:rPr lang="en-US" altLang="ko-KR" dirty="0"/>
               <a:t>Servlet-context.xml</a:t>
             </a:r>
           </a:p>
@@ -7569,43 +7573,63 @@
               <a:buNone/>
             </a:pPr>
             <a:r>
-              <a:rPr lang="en-US" altLang="ko-KR"/>
+              <a:rPr lang="en-US" altLang="ko-KR" dirty="0"/>
               <a:t>  </a:t>
             </a:r>
             <a:r>
-              <a:rPr lang="en-US" altLang="ko-KR" sz="1600"/>
-              <a:t>&lt;beans:beans</a:t>
-            </a:r>
-            <a:r>
-              <a:rPr lang="ko-KR" altLang="en-US" sz="1600"/>
+              <a:rPr lang="en-US" altLang="ko-KR" sz="1600" dirty="0"/>
+              <a:t>&lt;</a:t>
+            </a:r>
+            <a:r>
+              <a:rPr lang="en-US" altLang="ko-KR" sz="1600" dirty="0" err="1"/>
+              <a:t>beans:beans</a:t>
+            </a:r>
+            <a:r>
+              <a:rPr lang="ko-KR" altLang="en-US" sz="1600" dirty="0"/>
               <a:t>속성에 </a:t>
             </a:r>
             <a:r>
-              <a:rPr lang="en-US" altLang="ko-KR" sz="1600"/>
+              <a:rPr lang="en-US" altLang="ko-KR" sz="1600" dirty="0" err="1"/>
               <a:t>tx</a:t>
             </a:r>
             <a:r>
-              <a:rPr lang="ko-KR" altLang="en-US" sz="1600"/>
+              <a:rPr lang="ko-KR" altLang="en-US" sz="1600" dirty="0"/>
               <a:t>와 </a:t>
             </a:r>
             <a:r>
-              <a:rPr lang="en-US" altLang="ko-KR" sz="1600"/>
+              <a:rPr lang="en-US" altLang="ko-KR" sz="1600" dirty="0" err="1"/>
               <a:t>aop</a:t>
             </a:r>
             <a:r>
-              <a:rPr lang="ko-KR" altLang="en-US" sz="1600"/>
+              <a:rPr lang="ko-KR" altLang="en-US" sz="1600" dirty="0"/>
               <a:t>추가</a:t>
             </a:r>
             <a:r>
-              <a:rPr lang="en-US" altLang="ko-KR" sz="1600"/>
+              <a:rPr lang="en-US" altLang="ko-KR" sz="1600" dirty="0"/>
               <a:t> </a:t>
             </a:r>
             <a:br>
-              <a:rPr lang="en-US" altLang="ko-KR"/>
+              <a:rPr lang="en-US" altLang="ko-KR" dirty="0"/>
             </a:br>
             <a:r>
-              <a:rPr lang="en-US" altLang="ko-KR" sz="1400"/>
-              <a:t>&lt;beans:bean  id="transactionManager"</a:t>
+              <a:rPr lang="en-US" altLang="ko-KR" sz="1400" dirty="0"/>
+              <a:t>&lt;</a:t>
+            </a:r>
+            <a:r>
+              <a:rPr lang="en-US" altLang="ko-KR" sz="1400" dirty="0" err="1"/>
+              <a:t>beans:bean</a:t>
+            </a:r>
+            <a:r>
+              <a:rPr lang="en-US" altLang="ko-KR" sz="1400" dirty="0"/>
+              <a:t>  id="</a:t>
+            </a:r>
+            <a:r>
+              <a:rPr lang="en-US" altLang="ko-KR" sz="1400" dirty="0" err="1"/>
+              <a:t>transactionManager</a:t>
+            </a:r>
+            <a:r>
+              <a:rPr lang="en-US" altLang="ko-KR" sz="1400" dirty="0"/>
+              <a:t>"</a:t>
             </a:r>
           </a:p>
           <a:p>
@@ -7613,7 +7637,7 @@
               <a:buNone/>
             </a:pPr>
             <a:r>
-              <a:rPr lang="en-US" altLang="ko-KR" sz="1400"/>
+              <a:rPr lang="en-US" altLang="ko-KR" sz="1400" dirty="0"/>
               <a:t>		class="org.springframework.jdbc.datasource.DataSourceTransactionManager"&gt;</a:t>
             </a:r>
           </a:p>
@@ -7622,8 +7646,24 @@
               <a:buNone/>
             </a:pPr>
             <a:r>
-              <a:rPr lang="en-US" altLang="ko-KR" sz="1400"/>
-              <a:t>		&lt;property name="dataSource" ref="dataSource" /&gt;</a:t>
+              <a:rPr lang="en-US" altLang="ko-KR" sz="1400" dirty="0"/>
+              <a:t>		&lt;property name="</a:t>
+            </a:r>
+            <a:r>
+              <a:rPr lang="en-US" altLang="ko-KR" sz="1400" dirty="0" err="1"/>
+              <a:t>dataSource</a:t>
+            </a:r>
+            <a:r>
+              <a:rPr lang="en-US" altLang="ko-KR" sz="1400" dirty="0"/>
+              <a:t>" ref="</a:t>
+            </a:r>
+            <a:r>
+              <a:rPr lang="en-US" altLang="ko-KR" sz="1400" dirty="0" err="1"/>
+              <a:t>dataSource</a:t>
+            </a:r>
+            <a:r>
+              <a:rPr lang="en-US" altLang="ko-KR" sz="1400" dirty="0"/>
+              <a:t>" /&gt;</a:t>
             </a:r>
           </a:p>
           <a:p>
@@ -7631,25 +7671,37 @@
               <a:buNone/>
             </a:pPr>
             <a:r>
-              <a:rPr lang="en-US" altLang="ko-KR" sz="1400"/>
-              <a:t>	&lt;/beans:bean&gt;</a:t>
+              <a:rPr lang="en-US" altLang="ko-KR" sz="1400" dirty="0"/>
+              <a:t>	&lt;/</a:t>
+            </a:r>
+            <a:r>
+              <a:rPr lang="en-US" altLang="ko-KR" sz="1400" dirty="0" err="1"/>
+              <a:t>beans:bean</a:t>
+            </a:r>
+            <a:r>
+              <a:rPr lang="en-US" altLang="ko-KR" sz="1400" dirty="0"/>
+              <a:t>&gt;</a:t>
             </a:r>
             <a:br>
-              <a:rPr lang="en-US" altLang="ko-KR" sz="1400"/>
+              <a:rPr lang="en-US" altLang="ko-KR" sz="1400" dirty="0"/>
             </a:br>
             <a:br>
-              <a:rPr lang="en-US" altLang="ko-KR" sz="1400"/>
+              <a:rPr lang="en-US" altLang="ko-KR" sz="1400" dirty="0"/>
             </a:br>
             <a:r>
-              <a:rPr lang="en-US" altLang="ko-KR" sz="1400"/>
+              <a:rPr lang="en-US" altLang="ko-KR" sz="1400" dirty="0"/>
               <a:t>&lt;!-- @Transactional </a:t>
             </a:r>
             <a:r>
-              <a:rPr lang="ko-KR" altLang="en-US" sz="1400"/>
-              <a:t>어노테이션 처리 </a:t>
-            </a:r>
-            <a:r>
-              <a:rPr lang="en-US" altLang="ko-KR" sz="1400"/>
+              <a:rPr lang="ko-KR" altLang="en-US" sz="1400" dirty="0" err="1"/>
+              <a:t>어노테이션</a:t>
+            </a:r>
+            <a:r>
+              <a:rPr lang="ko-KR" altLang="en-US" sz="1400" dirty="0"/>
+              <a:t> 처리 </a:t>
+            </a:r>
+            <a:r>
+              <a:rPr lang="en-US" altLang="ko-KR" sz="1400" dirty="0"/>
               <a:t>--&gt;</a:t>
             </a:r>
           </a:p>
@@ -7658,43 +7710,75 @@
               <a:buNone/>
             </a:pPr>
             <a:r>
-              <a:rPr lang="ko-KR" altLang="en-US" sz="1400"/>
+              <a:rPr lang="ko-KR" altLang="en-US" sz="1400" dirty="0"/>
               <a:t>	</a:t>
             </a:r>
             <a:r>
-              <a:rPr lang="en-US" altLang="ko-KR" sz="1400"/>
-              <a:t>&lt;tx:annotation-driven  transaction-manager="transactionManager" /&gt;</a:t>
+              <a:rPr lang="en-US" altLang="ko-KR" sz="1400" dirty="0"/>
+              <a:t>&lt;</a:t>
+            </a:r>
+            <a:r>
+              <a:rPr lang="en-US" altLang="ko-KR" sz="1400" dirty="0" err="1"/>
+              <a:t>tx:annotation-driven</a:t>
+            </a:r>
+            <a:r>
+              <a:rPr lang="en-US" altLang="ko-KR" sz="1400" dirty="0"/>
+              <a:t>  transaction-manager="</a:t>
+            </a:r>
+            <a:r>
+              <a:rPr lang="en-US" altLang="ko-KR" sz="1400" dirty="0" err="1"/>
+              <a:t>transactionManager</a:t>
+            </a:r>
+            <a:r>
+              <a:rPr lang="en-US" altLang="ko-KR" sz="1400" dirty="0"/>
+              <a:t>" /&gt;</a:t>
             </a:r>
           </a:p>
           <a:p>
             <a:pPr>
               <a:buNone/>
             </a:pPr>
-            <a:endParaRPr lang="en-US" altLang="ko-KR" sz="1400"/>
+            <a:endParaRPr lang="en-US" altLang="ko-KR" sz="1400" dirty="0"/>
           </a:p>
           <a:p>
             <a:pPr>
               <a:buNone/>
             </a:pPr>
             <a:r>
-              <a:rPr lang="en-US" altLang="ko-KR" sz="1400"/>
+              <a:rPr lang="en-US" altLang="ko-KR" sz="1400" dirty="0"/>
               <a:t> pom.xml</a:t>
             </a:r>
             <a:r>
-              <a:rPr lang="ko-KR" altLang="en-US" sz="1400"/>
+              <a:rPr lang="ko-KR" altLang="en-US" sz="1400" dirty="0"/>
               <a:t>수정</a:t>
             </a:r>
-            <a:endParaRPr lang="en-US" altLang="ko-KR" sz="1400"/>
+            <a:endParaRPr lang="en-US" altLang="ko-KR" sz="1400" dirty="0"/>
           </a:p>
           <a:p>
             <a:pPr>
               <a:buNone/>
             </a:pPr>
             <a:r>
-              <a:rPr lang="en-US" altLang="ko-KR"/>
-              <a:t>&lt;org.springframework-version&gt;4.3.4.RELEASE&lt;/org.springframework-version&gt;</a:t>
-            </a:r>
-            <a:endParaRPr lang="ko-KR" altLang="en-US" sz="1400"/>
+              <a:rPr lang="en-US" altLang="ko-KR" dirty="0"/>
+              <a:t>&lt;</a:t>
+            </a:r>
+            <a:r>
+              <a:rPr lang="en-US" altLang="ko-KR" dirty="0" err="1"/>
+              <a:t>org.springframework</a:t>
+            </a:r>
+            <a:r>
+              <a:rPr lang="en-US" altLang="ko-KR" dirty="0"/>
+              <a:t>-version&gt;4.3.4.RELEASE&lt;/</a:t>
+            </a:r>
+            <a:r>
+              <a:rPr lang="en-US" altLang="ko-KR" dirty="0" err="1"/>
+              <a:t>org.springframework</a:t>
+            </a:r>
+            <a:r>
+              <a:rPr lang="en-US" altLang="ko-KR" dirty="0"/>
+              <a:t>-version&gt;</a:t>
+            </a:r>
+            <a:endParaRPr lang="ko-KR" altLang="en-US" sz="1400" dirty="0"/>
           </a:p>
         </p:txBody>
       </p:sp>
@@ -8065,8 +8149,8 @@
             <a:chExt cx="3473640" cy="1004400"/>
           </a:xfrm>
         </p:grpSpPr>
-        <mc:AlternateContent xmlns:mc="http://schemas.openxmlformats.org/markup-compatibility/2006">
-          <mc:Choice xmlns:p14="http://schemas.microsoft.com/office/powerpoint/2010/main" Requires="p14">
+        <mc:AlternateContent xmlns:mc="http://schemas.openxmlformats.org/markup-compatibility/2006" xmlns:p14="http://schemas.microsoft.com/office/powerpoint/2010/main">
+          <mc:Choice Requires="p14">
             <p:contentPart p14:bwMode="auto" r:id="rId3">
               <p14:nvContentPartPr>
                 <p14:cNvPr id="7" name="잉크 6">
@@ -8085,7 +8169,7 @@
               </p14:xfrm>
             </p:contentPart>
           </mc:Choice>
-          <mc:Fallback>
+          <mc:Fallback xmlns="">
             <p:pic>
               <p:nvPicPr>
                 <p:cNvPr id="7" name="잉크 6">
@@ -8116,8 +8200,8 @@
             </p:pic>
           </mc:Fallback>
         </mc:AlternateContent>
-        <mc:AlternateContent xmlns:mc="http://schemas.openxmlformats.org/markup-compatibility/2006">
-          <mc:Choice xmlns:p14="http://schemas.microsoft.com/office/powerpoint/2010/main" Requires="p14">
+        <mc:AlternateContent xmlns:mc="http://schemas.openxmlformats.org/markup-compatibility/2006" xmlns:p14="http://schemas.microsoft.com/office/powerpoint/2010/main">
+          <mc:Choice Requires="p14">
             <p:contentPart p14:bwMode="auto" r:id="rId5">
               <p14:nvContentPartPr>
                 <p14:cNvPr id="8" name="잉크 7">
@@ -8136,7 +8220,7 @@
               </p14:xfrm>
             </p:contentPart>
           </mc:Choice>
-          <mc:Fallback>
+          <mc:Fallback xmlns="">
             <p:pic>
               <p:nvPicPr>
                 <p:cNvPr id="8" name="잉크 7">
@@ -9266,8 +9350,8 @@
             <a:chExt cx="267480" cy="344880"/>
           </a:xfrm>
         </p:grpSpPr>
-        <mc:AlternateContent xmlns:mc="http://schemas.openxmlformats.org/markup-compatibility/2006">
-          <mc:Choice xmlns:p14="http://schemas.microsoft.com/office/powerpoint/2010/main" Requires="p14">
+        <mc:AlternateContent xmlns:mc="http://schemas.openxmlformats.org/markup-compatibility/2006" xmlns:p14="http://schemas.microsoft.com/office/powerpoint/2010/main">
+          <mc:Choice Requires="p14">
             <p:contentPart p14:bwMode="auto" r:id="rId3">
               <p14:nvContentPartPr>
                 <p14:cNvPr id="2" name="잉크 1">
@@ -9286,7 +9370,7 @@
               </p14:xfrm>
             </p:contentPart>
           </mc:Choice>
-          <mc:Fallback>
+          <mc:Fallback xmlns="">
             <p:pic>
               <p:nvPicPr>
                 <p:cNvPr id="2" name="잉크 1">
@@ -9317,8 +9401,8 @@
             </p:pic>
           </mc:Fallback>
         </mc:AlternateContent>
-        <mc:AlternateContent xmlns:mc="http://schemas.openxmlformats.org/markup-compatibility/2006">
-          <mc:Choice xmlns:p14="http://schemas.microsoft.com/office/powerpoint/2010/main" Requires="p14">
+        <mc:AlternateContent xmlns:mc="http://schemas.openxmlformats.org/markup-compatibility/2006" xmlns:p14="http://schemas.microsoft.com/office/powerpoint/2010/main">
+          <mc:Choice Requires="p14">
             <p:contentPart p14:bwMode="auto" r:id="rId5">
               <p14:nvContentPartPr>
                 <p14:cNvPr id="3" name="잉크 2">
@@ -9337,7 +9421,7 @@
               </p14:xfrm>
             </p:contentPart>
           </mc:Choice>
-          <mc:Fallback>
+          <mc:Fallback xmlns="">
             <p:pic>
               <p:nvPicPr>
                 <p:cNvPr id="3" name="잉크 2">
@@ -9368,8 +9452,8 @@
             </p:pic>
           </mc:Fallback>
         </mc:AlternateContent>
-        <mc:AlternateContent xmlns:mc="http://schemas.openxmlformats.org/markup-compatibility/2006">
-          <mc:Choice xmlns:p14="http://schemas.microsoft.com/office/powerpoint/2010/main" Requires="p14">
+        <mc:AlternateContent xmlns:mc="http://schemas.openxmlformats.org/markup-compatibility/2006" xmlns:p14="http://schemas.microsoft.com/office/powerpoint/2010/main">
+          <mc:Choice Requires="p14">
             <p:contentPart p14:bwMode="auto" r:id="rId7">
               <p14:nvContentPartPr>
                 <p14:cNvPr id="4" name="잉크 3">
@@ -9388,7 +9472,7 @@
               </p14:xfrm>
             </p:contentPart>
           </mc:Choice>
-          <mc:Fallback>
+          <mc:Fallback xmlns="">
             <p:pic>
               <p:nvPicPr>
                 <p:cNvPr id="4" name="잉크 3">
@@ -9419,8 +9503,8 @@
             </p:pic>
           </mc:Fallback>
         </mc:AlternateContent>
-        <mc:AlternateContent xmlns:mc="http://schemas.openxmlformats.org/markup-compatibility/2006">
-          <mc:Choice xmlns:p14="http://schemas.microsoft.com/office/powerpoint/2010/main" Requires="p14">
+        <mc:AlternateContent xmlns:mc="http://schemas.openxmlformats.org/markup-compatibility/2006" xmlns:p14="http://schemas.microsoft.com/office/powerpoint/2010/main">
+          <mc:Choice Requires="p14">
             <p:contentPart p14:bwMode="auto" r:id="rId9">
               <p14:nvContentPartPr>
                 <p14:cNvPr id="5" name="잉크 4">
@@ -9439,7 +9523,7 @@
               </p14:xfrm>
             </p:contentPart>
           </mc:Choice>
-          <mc:Fallback>
+          <mc:Fallback xmlns="">
             <p:pic>
               <p:nvPicPr>
                 <p:cNvPr id="5" name="잉크 4">
@@ -9491,8 +9575,8 @@
             <a:chExt cx="545400" cy="320760"/>
           </a:xfrm>
         </p:grpSpPr>
-        <mc:AlternateContent xmlns:mc="http://schemas.openxmlformats.org/markup-compatibility/2006">
-          <mc:Choice xmlns:p14="http://schemas.microsoft.com/office/powerpoint/2010/main" Requires="p14">
+        <mc:AlternateContent xmlns:mc="http://schemas.openxmlformats.org/markup-compatibility/2006" xmlns:p14="http://schemas.microsoft.com/office/powerpoint/2010/main">
+          <mc:Choice Requires="p14">
             <p:contentPart p14:bwMode="auto" r:id="rId11">
               <p14:nvContentPartPr>
                 <p14:cNvPr id="6" name="잉크 5">
@@ -9511,7 +9595,7 @@
               </p14:xfrm>
             </p:contentPart>
           </mc:Choice>
-          <mc:Fallback>
+          <mc:Fallback xmlns="">
             <p:pic>
               <p:nvPicPr>
                 <p:cNvPr id="6" name="잉크 5">
@@ -9542,8 +9626,8 @@
             </p:pic>
           </mc:Fallback>
         </mc:AlternateContent>
-        <mc:AlternateContent xmlns:mc="http://schemas.openxmlformats.org/markup-compatibility/2006">
-          <mc:Choice xmlns:p14="http://schemas.microsoft.com/office/powerpoint/2010/main" Requires="p14">
+        <mc:AlternateContent xmlns:mc="http://schemas.openxmlformats.org/markup-compatibility/2006" xmlns:p14="http://schemas.microsoft.com/office/powerpoint/2010/main">
+          <mc:Choice Requires="p14">
             <p:contentPart p14:bwMode="auto" r:id="rId13">
               <p14:nvContentPartPr>
                 <p14:cNvPr id="7" name="잉크 6">
@@ -9562,7 +9646,7 @@
               </p14:xfrm>
             </p:contentPart>
           </mc:Choice>
-          <mc:Fallback>
+          <mc:Fallback xmlns="">
             <p:pic>
               <p:nvPicPr>
                 <p:cNvPr id="7" name="잉크 6">
@@ -9593,8 +9677,8 @@
             </p:pic>
           </mc:Fallback>
         </mc:AlternateContent>
-        <mc:AlternateContent xmlns:mc="http://schemas.openxmlformats.org/markup-compatibility/2006">
-          <mc:Choice xmlns:p14="http://schemas.microsoft.com/office/powerpoint/2010/main" Requires="p14">
+        <mc:AlternateContent xmlns:mc="http://schemas.openxmlformats.org/markup-compatibility/2006" xmlns:p14="http://schemas.microsoft.com/office/powerpoint/2010/main">
+          <mc:Choice Requires="p14">
             <p:contentPart p14:bwMode="auto" r:id="rId15">
               <p14:nvContentPartPr>
                 <p14:cNvPr id="8" name="잉크 7">
@@ -9613,7 +9697,7 @@
               </p14:xfrm>
             </p:contentPart>
           </mc:Choice>
-          <mc:Fallback>
+          <mc:Fallback xmlns="">
             <p:pic>
               <p:nvPicPr>
                 <p:cNvPr id="8" name="잉크 7">
@@ -9644,8 +9728,8 @@
             </p:pic>
           </mc:Fallback>
         </mc:AlternateContent>
-        <mc:AlternateContent xmlns:mc="http://schemas.openxmlformats.org/markup-compatibility/2006">
-          <mc:Choice xmlns:p14="http://schemas.microsoft.com/office/powerpoint/2010/main" Requires="p14">
+        <mc:AlternateContent xmlns:mc="http://schemas.openxmlformats.org/markup-compatibility/2006" xmlns:p14="http://schemas.microsoft.com/office/powerpoint/2010/main">
+          <mc:Choice Requires="p14">
             <p:contentPart p14:bwMode="auto" r:id="rId17">
               <p14:nvContentPartPr>
                 <p14:cNvPr id="9" name="잉크 8">
@@ -9664,7 +9748,7 @@
               </p14:xfrm>
             </p:contentPart>
           </mc:Choice>
-          <mc:Fallback>
+          <mc:Fallback xmlns="">
             <p:pic>
               <p:nvPicPr>
                 <p:cNvPr id="9" name="잉크 8">
@@ -9695,8 +9779,8 @@
             </p:pic>
           </mc:Fallback>
         </mc:AlternateContent>
-        <mc:AlternateContent xmlns:mc="http://schemas.openxmlformats.org/markup-compatibility/2006">
-          <mc:Choice xmlns:p14="http://schemas.microsoft.com/office/powerpoint/2010/main" Requires="p14">
+        <mc:AlternateContent xmlns:mc="http://schemas.openxmlformats.org/markup-compatibility/2006" xmlns:p14="http://schemas.microsoft.com/office/powerpoint/2010/main">
+          <mc:Choice Requires="p14">
             <p:contentPart p14:bwMode="auto" r:id="rId19">
               <p14:nvContentPartPr>
                 <p14:cNvPr id="10" name="잉크 9">
@@ -9715,7 +9799,7 @@
               </p14:xfrm>
             </p:contentPart>
           </mc:Choice>
-          <mc:Fallback>
+          <mc:Fallback xmlns="">
             <p:pic>
               <p:nvPicPr>
                 <p:cNvPr id="10" name="잉크 9">
@@ -9746,8 +9830,8 @@
             </p:pic>
           </mc:Fallback>
         </mc:AlternateContent>
-        <mc:AlternateContent xmlns:mc="http://schemas.openxmlformats.org/markup-compatibility/2006">
-          <mc:Choice xmlns:p14="http://schemas.microsoft.com/office/powerpoint/2010/main" Requires="p14">
+        <mc:AlternateContent xmlns:mc="http://schemas.openxmlformats.org/markup-compatibility/2006" xmlns:p14="http://schemas.microsoft.com/office/powerpoint/2010/main">
+          <mc:Choice Requires="p14">
             <p:contentPart p14:bwMode="auto" r:id="rId21">
               <p14:nvContentPartPr>
                 <p14:cNvPr id="11" name="잉크 10">
@@ -9766,7 +9850,7 @@
               </p14:xfrm>
             </p:contentPart>
           </mc:Choice>
-          <mc:Fallback>
+          <mc:Fallback xmlns="">
             <p:pic>
               <p:nvPicPr>
                 <p:cNvPr id="11" name="잉크 10">
@@ -9797,8 +9881,8 @@
             </p:pic>
           </mc:Fallback>
         </mc:AlternateContent>
-        <mc:AlternateContent xmlns:mc="http://schemas.openxmlformats.org/markup-compatibility/2006">
-          <mc:Choice xmlns:p14="http://schemas.microsoft.com/office/powerpoint/2010/main" Requires="p14">
+        <mc:AlternateContent xmlns:mc="http://schemas.openxmlformats.org/markup-compatibility/2006" xmlns:p14="http://schemas.microsoft.com/office/powerpoint/2010/main">
+          <mc:Choice Requires="p14">
             <p:contentPart p14:bwMode="auto" r:id="rId23">
               <p14:nvContentPartPr>
                 <p14:cNvPr id="12" name="잉크 11">
@@ -9817,7 +9901,7 @@
               </p14:xfrm>
             </p:contentPart>
           </mc:Choice>
-          <mc:Fallback>
+          <mc:Fallback xmlns="">
             <p:pic>
               <p:nvPicPr>
                 <p:cNvPr id="12" name="잉크 11">
@@ -9869,8 +9953,8 @@
             <a:chExt cx="972000" cy="397440"/>
           </a:xfrm>
         </p:grpSpPr>
-        <mc:AlternateContent xmlns:mc="http://schemas.openxmlformats.org/markup-compatibility/2006">
-          <mc:Choice xmlns:p14="http://schemas.microsoft.com/office/powerpoint/2010/main" Requires="p14">
+        <mc:AlternateContent xmlns:mc="http://schemas.openxmlformats.org/markup-compatibility/2006" xmlns:p14="http://schemas.microsoft.com/office/powerpoint/2010/main">
+          <mc:Choice Requires="p14">
             <p:contentPart p14:bwMode="auto" r:id="rId25">
               <p14:nvContentPartPr>
                 <p14:cNvPr id="15" name="잉크 14">
@@ -9889,7 +9973,7 @@
               </p14:xfrm>
             </p:contentPart>
           </mc:Choice>
-          <mc:Fallback>
+          <mc:Fallback xmlns="">
             <p:pic>
               <p:nvPicPr>
                 <p:cNvPr id="15" name="잉크 14">
@@ -9920,8 +10004,8 @@
             </p:pic>
           </mc:Fallback>
         </mc:AlternateContent>
-        <mc:AlternateContent xmlns:mc="http://schemas.openxmlformats.org/markup-compatibility/2006">
-          <mc:Choice xmlns:p14="http://schemas.microsoft.com/office/powerpoint/2010/main" Requires="p14">
+        <mc:AlternateContent xmlns:mc="http://schemas.openxmlformats.org/markup-compatibility/2006" xmlns:p14="http://schemas.microsoft.com/office/powerpoint/2010/main">
+          <mc:Choice Requires="p14">
             <p:contentPart p14:bwMode="auto" r:id="rId27">
               <p14:nvContentPartPr>
                 <p14:cNvPr id="16" name="잉크 15">
@@ -9940,7 +10024,7 @@
               </p14:xfrm>
             </p:contentPart>
           </mc:Choice>
-          <mc:Fallback>
+          <mc:Fallback xmlns="">
             <p:pic>
               <p:nvPicPr>
                 <p:cNvPr id="16" name="잉크 15">
@@ -9971,8 +10055,8 @@
             </p:pic>
           </mc:Fallback>
         </mc:AlternateContent>
-        <mc:AlternateContent xmlns:mc="http://schemas.openxmlformats.org/markup-compatibility/2006">
-          <mc:Choice xmlns:p14="http://schemas.microsoft.com/office/powerpoint/2010/main" Requires="p14">
+        <mc:AlternateContent xmlns:mc="http://schemas.openxmlformats.org/markup-compatibility/2006" xmlns:p14="http://schemas.microsoft.com/office/powerpoint/2010/main">
+          <mc:Choice Requires="p14">
             <p:contentPart p14:bwMode="auto" r:id="rId29">
               <p14:nvContentPartPr>
                 <p14:cNvPr id="17" name="잉크 16">
@@ -9991,7 +10075,7 @@
               </p14:xfrm>
             </p:contentPart>
           </mc:Choice>
-          <mc:Fallback>
+          <mc:Fallback xmlns="">
             <p:pic>
               <p:nvPicPr>
                 <p:cNvPr id="17" name="잉크 16">
@@ -10022,8 +10106,8 @@
             </p:pic>
           </mc:Fallback>
         </mc:AlternateContent>
-        <mc:AlternateContent xmlns:mc="http://schemas.openxmlformats.org/markup-compatibility/2006">
-          <mc:Choice xmlns:p14="http://schemas.microsoft.com/office/powerpoint/2010/main" Requires="p14">
+        <mc:AlternateContent xmlns:mc="http://schemas.openxmlformats.org/markup-compatibility/2006" xmlns:p14="http://schemas.microsoft.com/office/powerpoint/2010/main">
+          <mc:Choice Requires="p14">
             <p:contentPart p14:bwMode="auto" r:id="rId31">
               <p14:nvContentPartPr>
                 <p14:cNvPr id="18" name="잉크 17">
@@ -10042,7 +10126,7 @@
               </p14:xfrm>
             </p:contentPart>
           </mc:Choice>
-          <mc:Fallback>
+          <mc:Fallback xmlns="">
             <p:pic>
               <p:nvPicPr>
                 <p:cNvPr id="18" name="잉크 17">
@@ -10073,8 +10157,8 @@
             </p:pic>
           </mc:Fallback>
         </mc:AlternateContent>
-        <mc:AlternateContent xmlns:mc="http://schemas.openxmlformats.org/markup-compatibility/2006">
-          <mc:Choice xmlns:p14="http://schemas.microsoft.com/office/powerpoint/2010/main" Requires="p14">
+        <mc:AlternateContent xmlns:mc="http://schemas.openxmlformats.org/markup-compatibility/2006" xmlns:p14="http://schemas.microsoft.com/office/powerpoint/2010/main">
+          <mc:Choice Requires="p14">
             <p:contentPart p14:bwMode="auto" r:id="rId33">
               <p14:nvContentPartPr>
                 <p14:cNvPr id="19" name="잉크 18">
@@ -10093,7 +10177,7 @@
               </p14:xfrm>
             </p:contentPart>
           </mc:Choice>
-          <mc:Fallback>
+          <mc:Fallback xmlns="">
             <p:pic>
               <p:nvPicPr>
                 <p:cNvPr id="19" name="잉크 18">
@@ -10124,8 +10208,8 @@
             </p:pic>
           </mc:Fallback>
         </mc:AlternateContent>
-        <mc:AlternateContent xmlns:mc="http://schemas.openxmlformats.org/markup-compatibility/2006">
-          <mc:Choice xmlns:p14="http://schemas.microsoft.com/office/powerpoint/2010/main" Requires="p14">
+        <mc:AlternateContent xmlns:mc="http://schemas.openxmlformats.org/markup-compatibility/2006" xmlns:p14="http://schemas.microsoft.com/office/powerpoint/2010/main">
+          <mc:Choice Requires="p14">
             <p:contentPart p14:bwMode="auto" r:id="rId35">
               <p14:nvContentPartPr>
                 <p14:cNvPr id="20" name="잉크 19">
@@ -10144,7 +10228,7 @@
               </p14:xfrm>
             </p:contentPart>
           </mc:Choice>
-          <mc:Fallback>
+          <mc:Fallback xmlns="">
             <p:pic>
               <p:nvPicPr>
                 <p:cNvPr id="20" name="잉크 19">
@@ -10175,8 +10259,8 @@
             </p:pic>
           </mc:Fallback>
         </mc:AlternateContent>
-        <mc:AlternateContent xmlns:mc="http://schemas.openxmlformats.org/markup-compatibility/2006">
-          <mc:Choice xmlns:p14="http://schemas.microsoft.com/office/powerpoint/2010/main" Requires="p14">
+        <mc:AlternateContent xmlns:mc="http://schemas.openxmlformats.org/markup-compatibility/2006" xmlns:p14="http://schemas.microsoft.com/office/powerpoint/2010/main">
+          <mc:Choice Requires="p14">
             <p:contentPart p14:bwMode="auto" r:id="rId37">
               <p14:nvContentPartPr>
                 <p14:cNvPr id="21" name="잉크 20">
@@ -10195,7 +10279,7 @@
               </p14:xfrm>
             </p:contentPart>
           </mc:Choice>
-          <mc:Fallback>
+          <mc:Fallback xmlns="">
             <p:pic>
               <p:nvPicPr>
                 <p:cNvPr id="21" name="잉크 20">
@@ -10226,8 +10310,8 @@
             </p:pic>
           </mc:Fallback>
         </mc:AlternateContent>
-        <mc:AlternateContent xmlns:mc="http://schemas.openxmlformats.org/markup-compatibility/2006">
-          <mc:Choice xmlns:p14="http://schemas.microsoft.com/office/powerpoint/2010/main" Requires="p14">
+        <mc:AlternateContent xmlns:mc="http://schemas.openxmlformats.org/markup-compatibility/2006" xmlns:p14="http://schemas.microsoft.com/office/powerpoint/2010/main">
+          <mc:Choice Requires="p14">
             <p:contentPart p14:bwMode="auto" r:id="rId39">
               <p14:nvContentPartPr>
                 <p14:cNvPr id="22" name="잉크 21">
@@ -10246,7 +10330,7 @@
               </p14:xfrm>
             </p:contentPart>
           </mc:Choice>
-          <mc:Fallback>
+          <mc:Fallback xmlns="">
             <p:pic>
               <p:nvPicPr>
                 <p:cNvPr id="22" name="잉크 21">
@@ -10277,8 +10361,8 @@
             </p:pic>
           </mc:Fallback>
         </mc:AlternateContent>
-        <mc:AlternateContent xmlns:mc="http://schemas.openxmlformats.org/markup-compatibility/2006">
-          <mc:Choice xmlns:p14="http://schemas.microsoft.com/office/powerpoint/2010/main" Requires="p14">
+        <mc:AlternateContent xmlns:mc="http://schemas.openxmlformats.org/markup-compatibility/2006" xmlns:p14="http://schemas.microsoft.com/office/powerpoint/2010/main">
+          <mc:Choice Requires="p14">
             <p:contentPart p14:bwMode="auto" r:id="rId41">
               <p14:nvContentPartPr>
                 <p14:cNvPr id="23" name="잉크 22">
@@ -10297,7 +10381,7 @@
               </p14:xfrm>
             </p:contentPart>
           </mc:Choice>
-          <mc:Fallback>
+          <mc:Fallback xmlns="">
             <p:pic>
               <p:nvPicPr>
                 <p:cNvPr id="23" name="잉크 22">
@@ -10328,8 +10412,8 @@
             </p:pic>
           </mc:Fallback>
         </mc:AlternateContent>
-        <mc:AlternateContent xmlns:mc="http://schemas.openxmlformats.org/markup-compatibility/2006">
-          <mc:Choice xmlns:p14="http://schemas.microsoft.com/office/powerpoint/2010/main" Requires="p14">
+        <mc:AlternateContent xmlns:mc="http://schemas.openxmlformats.org/markup-compatibility/2006" xmlns:p14="http://schemas.microsoft.com/office/powerpoint/2010/main">
+          <mc:Choice Requires="p14">
             <p:contentPart p14:bwMode="auto" r:id="rId43">
               <p14:nvContentPartPr>
                 <p14:cNvPr id="24" name="잉크 23">
@@ -10348,7 +10432,7 @@
               </p14:xfrm>
             </p:contentPart>
           </mc:Choice>
-          <mc:Fallback>
+          <mc:Fallback xmlns="">
             <p:pic>
               <p:nvPicPr>
                 <p:cNvPr id="24" name="잉크 23">
@@ -10379,8 +10463,8 @@
             </p:pic>
           </mc:Fallback>
         </mc:AlternateContent>
-        <mc:AlternateContent xmlns:mc="http://schemas.openxmlformats.org/markup-compatibility/2006">
-          <mc:Choice xmlns:p14="http://schemas.microsoft.com/office/powerpoint/2010/main" Requires="p14">
+        <mc:AlternateContent xmlns:mc="http://schemas.openxmlformats.org/markup-compatibility/2006" xmlns:p14="http://schemas.microsoft.com/office/powerpoint/2010/main">
+          <mc:Choice Requires="p14">
             <p:contentPart p14:bwMode="auto" r:id="rId45">
               <p14:nvContentPartPr>
                 <p14:cNvPr id="25" name="잉크 24">
@@ -10399,7 +10483,7 @@
               </p14:xfrm>
             </p:contentPart>
           </mc:Choice>
-          <mc:Fallback>
+          <mc:Fallback xmlns="">
             <p:pic>
               <p:nvPicPr>
                 <p:cNvPr id="25" name="잉크 24">
@@ -10430,8 +10514,8 @@
             </p:pic>
           </mc:Fallback>
         </mc:AlternateContent>
-        <mc:AlternateContent xmlns:mc="http://schemas.openxmlformats.org/markup-compatibility/2006">
-          <mc:Choice xmlns:p14="http://schemas.microsoft.com/office/powerpoint/2010/main" Requires="p14">
+        <mc:AlternateContent xmlns:mc="http://schemas.openxmlformats.org/markup-compatibility/2006" xmlns:p14="http://schemas.microsoft.com/office/powerpoint/2010/main">
+          <mc:Choice Requires="p14">
             <p:contentPart p14:bwMode="auto" r:id="rId47">
               <p14:nvContentPartPr>
                 <p14:cNvPr id="26" name="잉크 25">
@@ -10450,7 +10534,7 @@
               </p14:xfrm>
             </p:contentPart>
           </mc:Choice>
-          <mc:Fallback>
+          <mc:Fallback xmlns="">
             <p:pic>
               <p:nvPicPr>
                 <p:cNvPr id="26" name="잉크 25">
@@ -10481,8 +10565,8 @@
             </p:pic>
           </mc:Fallback>
         </mc:AlternateContent>
-        <mc:AlternateContent xmlns:mc="http://schemas.openxmlformats.org/markup-compatibility/2006">
-          <mc:Choice xmlns:p14="http://schemas.microsoft.com/office/powerpoint/2010/main" Requires="p14">
+        <mc:AlternateContent xmlns:mc="http://schemas.openxmlformats.org/markup-compatibility/2006" xmlns:p14="http://schemas.microsoft.com/office/powerpoint/2010/main">
+          <mc:Choice Requires="p14">
             <p:contentPart p14:bwMode="auto" r:id="rId49">
               <p14:nvContentPartPr>
                 <p14:cNvPr id="28" name="잉크 27">
@@ -10501,7 +10585,7 @@
               </p14:xfrm>
             </p:contentPart>
           </mc:Choice>
-          <mc:Fallback>
+          <mc:Fallback xmlns="">
             <p:pic>
               <p:nvPicPr>
                 <p:cNvPr id="28" name="잉크 27">
